--- a/chapter6/ASE_6_Agile_Process.pptx
+++ b/chapter6/ASE_6_Agile_Process.pptx
@@ -165,16 +165,47 @@
 </p:presentation>
 </file>
 
-<file path=ppt/revisionInfo.xml><?xml version="1.0" encoding="utf-8"?>
-<p1510:revInfo xmlns:a="http://schemas.openxmlformats.org/drawingml/2006/main" xmlns:r="http://schemas.openxmlformats.org/officeDocument/2006/relationships" xmlns:p1510="http://schemas.microsoft.com/office/powerpoint/2015/10/main">
-  <p1510:revLst>
-    <p1510:client id="{4830D34F-2340-49F5-A7DC-801892A92994}" v="438" dt="2018-10-08T05:50:10.281"/>
-  </p1510:revLst>
-</p1510:revInfo>
-</file>
-
 <file path=ppt/changesInfos/changesInfo1.xml><?xml version="1.0" encoding="utf-8"?>
 <pc:chgInfo xmlns:a="http://schemas.openxmlformats.org/drawingml/2006/main" xmlns:r="http://schemas.openxmlformats.org/officeDocument/2006/relationships" xmlns:ac="http://schemas.microsoft.com/office/drawing/2013/main/command" xmlns:pc="http://schemas.microsoft.com/office/powerpoint/2013/main/command">
+  <pc:docChgLst>
+    <pc:chgData name="Xin Zou" userId="260b9726081dae15" providerId="LiveId" clId="{372C12A0-4480-49F1-9F16-C2A0383D6A8D}"/>
+    <pc:docChg chg="custSel modSld">
+      <pc:chgData name="Xin Zou" userId="260b9726081dae15" providerId="LiveId" clId="{372C12A0-4480-49F1-9F16-C2A0383D6A8D}" dt="2018-10-24T15:29:26.189" v="4" actId="27636"/>
+      <pc:docMkLst>
+        <pc:docMk/>
+      </pc:docMkLst>
+      <pc:sldChg chg="modSp">
+        <pc:chgData name="Xin Zou" userId="260b9726081dae15" providerId="LiveId" clId="{372C12A0-4480-49F1-9F16-C2A0383D6A8D}" dt="2018-10-24T15:28:38.647" v="1" actId="27636"/>
+        <pc:sldMkLst>
+          <pc:docMk/>
+          <pc:sldMk cId="1833257090" sldId="283"/>
+        </pc:sldMkLst>
+        <pc:spChg chg="mod">
+          <ac:chgData name="Xin Zou" userId="260b9726081dae15" providerId="LiveId" clId="{372C12A0-4480-49F1-9F16-C2A0383D6A8D}" dt="2018-10-24T15:28:38.647" v="1" actId="27636"/>
+          <ac:spMkLst>
+            <pc:docMk/>
+            <pc:sldMk cId="1833257090" sldId="283"/>
+            <ac:spMk id="3" creationId="{00000000-0000-0000-0000-000000000000}"/>
+          </ac:spMkLst>
+        </pc:spChg>
+      </pc:sldChg>
+      <pc:sldChg chg="modSp">
+        <pc:chgData name="Xin Zou" userId="260b9726081dae15" providerId="LiveId" clId="{372C12A0-4480-49F1-9F16-C2A0383D6A8D}" dt="2018-10-24T15:29:26.189" v="4" actId="27636"/>
+        <pc:sldMkLst>
+          <pc:docMk/>
+          <pc:sldMk cId="2263928036" sldId="300"/>
+        </pc:sldMkLst>
+        <pc:spChg chg="mod">
+          <ac:chgData name="Xin Zou" userId="260b9726081dae15" providerId="LiveId" clId="{372C12A0-4480-49F1-9F16-C2A0383D6A8D}" dt="2018-10-24T15:29:26.189" v="4" actId="27636"/>
+          <ac:spMkLst>
+            <pc:docMk/>
+            <pc:sldMk cId="2263928036" sldId="300"/>
+            <ac:spMk id="3" creationId="{00000000-0000-0000-0000-000000000000}"/>
+          </ac:spMkLst>
+        </pc:spChg>
+      </pc:sldChg>
+    </pc:docChg>
+  </pc:docChgLst>
   <pc:docChgLst>
     <pc:chgData name="Xin Zou" userId="260b9726081dae15" providerId="LiveId" clId="{4830D34F-2340-49F5-A7DC-801892A92994}"/>
     <pc:docChg chg="undo custSel addSld delSld modSld modMainMaster">
@@ -1667,7 +1698,7 @@
           <a:p>
             <a:fld id="{FAC37360-BE78-48F1-87F9-0C7E0C0D7963}" type="datetimeFigureOut">
               <a:rPr lang="en-US" smtClean="0"/>
-              <a:t>10/7/2018</a:t>
+              <a:t>10/24/2018</a:t>
             </a:fld>
             <a:endParaRPr lang="en-US"/>
           </a:p>
@@ -3120,7 +3151,7 @@
           <a:p>
             <a:fld id="{48A87A34-81AB-432B-8DAE-1953F412C126}" type="datetimeFigureOut">
               <a:rPr lang="en-US" smtClean="0"/>
-              <a:t>10/7/2018</a:t>
+              <a:t>10/24/2018</a:t>
             </a:fld>
             <a:endParaRPr lang="en-US" dirty="0"/>
           </a:p>
@@ -3402,7 +3433,7 @@
             <a:fld id="{48A87A34-81AB-432B-8DAE-1953F412C126}" type="datetimeFigureOut">
               <a:rPr lang="en-US" smtClean="0"/>
               <a:pPr/>
-              <a:t>10/7/2018</a:t>
+              <a:t>10/24/2018</a:t>
             </a:fld>
             <a:endParaRPr lang="en-US" dirty="0"/>
           </a:p>
@@ -3596,7 +3627,7 @@
             <a:fld id="{48A87A34-81AB-432B-8DAE-1953F412C126}" type="datetimeFigureOut">
               <a:rPr lang="en-US" smtClean="0"/>
               <a:pPr/>
-              <a:t>10/7/2018</a:t>
+              <a:t>10/24/2018</a:t>
             </a:fld>
             <a:endParaRPr lang="en-US" dirty="0"/>
           </a:p>
@@ -3859,7 +3890,7 @@
             <a:fld id="{48A87A34-81AB-432B-8DAE-1953F412C126}" type="datetimeFigureOut">
               <a:rPr lang="en-US" smtClean="0"/>
               <a:pPr/>
-              <a:t>10/7/2018</a:t>
+              <a:t>10/24/2018</a:t>
             </a:fld>
             <a:endParaRPr lang="en-US" dirty="0"/>
           </a:p>
@@ -4287,7 +4318,7 @@
             <a:fld id="{48A87A34-81AB-432B-8DAE-1953F412C126}" type="datetimeFigureOut">
               <a:rPr lang="en-US" smtClean="0"/>
               <a:pPr/>
-              <a:t>10/7/2018</a:t>
+              <a:t>10/24/2018</a:t>
             </a:fld>
             <a:endParaRPr lang="en-US" dirty="0"/>
           </a:p>
@@ -4835,7 +4866,7 @@
             <a:fld id="{48A87A34-81AB-432B-8DAE-1953F412C126}" type="datetimeFigureOut">
               <a:rPr lang="en-US" smtClean="0"/>
               <a:pPr/>
-              <a:t>10/7/2018</a:t>
+              <a:t>10/24/2018</a:t>
             </a:fld>
             <a:endParaRPr lang="en-US" dirty="0"/>
           </a:p>
@@ -5668,7 +5699,7 @@
             <a:fld id="{48A87A34-81AB-432B-8DAE-1953F412C126}" type="datetimeFigureOut">
               <a:rPr lang="en-US" smtClean="0"/>
               <a:pPr/>
-              <a:t>10/7/2018</a:t>
+              <a:t>10/24/2018</a:t>
             </a:fld>
             <a:endParaRPr lang="en-US" dirty="0"/>
           </a:p>
@@ -5839,7 +5870,7 @@
           <a:p>
             <a:fld id="{48A87A34-81AB-432B-8DAE-1953F412C126}" type="datetimeFigureOut">
               <a:rPr lang="en-US" smtClean="0"/>
-              <a:t>10/7/2018</a:t>
+              <a:t>10/24/2018</a:t>
             </a:fld>
             <a:endParaRPr lang="en-US" dirty="0"/>
           </a:p>
@@ -6019,7 +6050,7 @@
           <a:p>
             <a:fld id="{48A87A34-81AB-432B-8DAE-1953F412C126}" type="datetimeFigureOut">
               <a:rPr lang="en-US" smtClean="0"/>
-              <a:t>10/7/2018</a:t>
+              <a:t>10/24/2018</a:t>
             </a:fld>
             <a:endParaRPr lang="en-US" dirty="0"/>
           </a:p>
@@ -6189,7 +6220,7 @@
           <a:p>
             <a:fld id="{48A87A34-81AB-432B-8DAE-1953F412C126}" type="datetimeFigureOut">
               <a:rPr lang="en-US" smtClean="0"/>
-              <a:t>10/7/2018</a:t>
+              <a:t>10/24/2018</a:t>
             </a:fld>
             <a:endParaRPr lang="en-US" dirty="0"/>
           </a:p>
@@ -6446,7 +6477,7 @@
           <a:p>
             <a:fld id="{48A87A34-81AB-432B-8DAE-1953F412C126}" type="datetimeFigureOut">
               <a:rPr lang="en-US" smtClean="0"/>
-              <a:t>10/7/2018</a:t>
+              <a:t>10/24/2018</a:t>
             </a:fld>
             <a:endParaRPr lang="en-US" dirty="0"/>
           </a:p>
@@ -6678,7 +6709,7 @@
           <a:p>
             <a:fld id="{48A87A34-81AB-432B-8DAE-1953F412C126}" type="datetimeFigureOut">
               <a:rPr lang="en-US" smtClean="0"/>
-              <a:t>10/7/2018</a:t>
+              <a:t>10/24/2018</a:t>
             </a:fld>
             <a:endParaRPr lang="en-US" dirty="0"/>
           </a:p>
@@ -7071,7 +7102,7 @@
           <a:p>
             <a:fld id="{48A87A34-81AB-432B-8DAE-1953F412C126}" type="datetimeFigureOut">
               <a:rPr lang="en-US" smtClean="0"/>
-              <a:t>10/7/2018</a:t>
+              <a:t>10/24/2018</a:t>
             </a:fld>
             <a:endParaRPr lang="en-US" dirty="0"/>
           </a:p>
@@ -7189,7 +7220,7 @@
           <a:p>
             <a:fld id="{48A87A34-81AB-432B-8DAE-1953F412C126}" type="datetimeFigureOut">
               <a:rPr lang="en-US" smtClean="0"/>
-              <a:t>10/7/2018</a:t>
+              <a:t>10/24/2018</a:t>
             </a:fld>
             <a:endParaRPr lang="en-US" dirty="0"/>
           </a:p>
@@ -7284,7 +7315,7 @@
           <a:p>
             <a:fld id="{48A87A34-81AB-432B-8DAE-1953F412C126}" type="datetimeFigureOut">
               <a:rPr lang="en-US" smtClean="0"/>
-              <a:t>10/7/2018</a:t>
+              <a:t>10/24/2018</a:t>
             </a:fld>
             <a:endParaRPr lang="en-US" dirty="0"/>
           </a:p>
@@ -7557,7 +7588,7 @@
           <a:p>
             <a:fld id="{48A87A34-81AB-432B-8DAE-1953F412C126}" type="datetimeFigureOut">
               <a:rPr lang="en-US" smtClean="0"/>
-              <a:t>10/7/2018</a:t>
+              <a:t>10/24/2018</a:t>
             </a:fld>
             <a:endParaRPr lang="en-US" dirty="0"/>
           </a:p>
@@ -7838,7 +7869,7 @@
           <a:p>
             <a:fld id="{48A87A34-81AB-432B-8DAE-1953F412C126}" type="datetimeFigureOut">
               <a:rPr lang="en-US" smtClean="0"/>
-              <a:t>10/7/2018</a:t>
+              <a:t>10/24/2018</a:t>
             </a:fld>
             <a:endParaRPr lang="en-US" dirty="0"/>
           </a:p>
@@ -8079,7 +8110,7 @@
             <a:fld id="{48A87A34-81AB-432B-8DAE-1953F412C126}" type="datetimeFigureOut">
               <a:rPr lang="en-US" smtClean="0"/>
               <a:pPr/>
-              <a:t>10/7/2018</a:t>
+              <a:t>10/24/2018</a:t>
             </a:fld>
             <a:endParaRPr lang="en-US" dirty="0"/>
           </a:p>
@@ -8793,16 +8824,26 @@
         <p:spPr/>
         <p:txBody>
           <a:bodyPr>
-            <a:normAutofit fontScale="92500" lnSpcReduction="20000"/>
+            <a:normAutofit fontScale="70000" lnSpcReduction="20000"/>
           </a:bodyPr>
           <a:lstStyle/>
           <a:p>
+            <a:pPr>
+              <a:lnSpc>
+                <a:spcPct val="120000"/>
+              </a:lnSpc>
+            </a:pPr>
             <a:r>
               <a:rPr lang="en-US" b="0" dirty="0"/>
               <a:t>Working software is the primary measure of progress. </a:t>
             </a:r>
           </a:p>
           <a:p>
+            <a:pPr>
+              <a:lnSpc>
+                <a:spcPct val="120000"/>
+              </a:lnSpc>
+            </a:pPr>
             <a:r>
               <a:rPr lang="zh-CN" altLang="en-US" b="0" dirty="0"/>
               <a:t>可用的软件是衡量项目进展的主要指标</a:t>
@@ -8810,15 +8851,30 @@
             <a:endParaRPr lang="en-US" b="0" dirty="0"/>
           </a:p>
           <a:p>
+            <a:pPr>
+              <a:lnSpc>
+                <a:spcPct val="120000"/>
+              </a:lnSpc>
+            </a:pPr>
             <a:endParaRPr lang="en-US" b="0" dirty="0"/>
           </a:p>
           <a:p>
+            <a:pPr>
+              <a:lnSpc>
+                <a:spcPct val="120000"/>
+              </a:lnSpc>
+            </a:pPr>
             <a:r>
               <a:rPr lang="en-US" b="0" dirty="0"/>
               <a:t>Agile processes promote sustainable development. The sponsors, developers, and users should be able to maintain a constant pace indefinitely. </a:t>
             </a:r>
           </a:p>
           <a:p>
+            <a:pPr>
+              <a:lnSpc>
+                <a:spcPct val="120000"/>
+              </a:lnSpc>
+            </a:pPr>
             <a:r>
               <a:rPr lang="zh-CN" altLang="en-US" b="0" dirty="0"/>
               <a:t>敏捷流程应能保持可持续的发展。 领导</a:t>
@@ -8834,9 +8890,19 @@
             <a:endParaRPr lang="en-US" b="0" dirty="0"/>
           </a:p>
           <a:p>
+            <a:pPr>
+              <a:lnSpc>
+                <a:spcPct val="120000"/>
+              </a:lnSpc>
+            </a:pPr>
             <a:endParaRPr lang="en-US" b="0" dirty="0"/>
           </a:p>
           <a:p>
+            <a:pPr>
+              <a:lnSpc>
+                <a:spcPct val="120000"/>
+              </a:lnSpc>
+            </a:pPr>
             <a:r>
               <a:rPr lang="en-US" b="0" dirty="0"/>
               <a:t>Continuous attention to technical excellence </a:t>
@@ -8850,6 +8916,11 @@
             </a:r>
           </a:p>
           <a:p>
+            <a:pPr>
+              <a:lnSpc>
+                <a:spcPct val="120000"/>
+              </a:lnSpc>
+            </a:pPr>
             <a:r>
               <a:rPr lang="zh-CN" altLang="en-US" b="0" dirty="0"/>
               <a:t>只有不断关注技术和设计才能越来越敏捷</a:t>
@@ -13545,7 +13616,7 @@
         <p:spPr/>
         <p:txBody>
           <a:bodyPr>
-            <a:normAutofit fontScale="92500"/>
+            <a:normAutofit lnSpcReduction="10000"/>
           </a:bodyPr>
           <a:lstStyle/>
           <a:p>
@@ -13622,14 +13693,6 @@
               <a:rPr lang="zh-CN" altLang="en-US" sz="2800" dirty="0"/>
               <a:t>在复杂的项目里，要让一线团队成员做决定。</a:t>
             </a:r>
-            <a:endParaRPr lang="en-US" sz="2800" dirty="0"/>
-          </a:p>
-          <a:p>
-            <a:pPr>
-              <a:lnSpc>
-                <a:spcPct val="110000"/>
-              </a:lnSpc>
-            </a:pPr>
             <a:br>
               <a:rPr lang="en-US" sz="2800" dirty="0"/>
             </a:br>
@@ -23363,9 +23426,12 @@
 </file>
 
 <file path=customXml/item1.xml><?xml version="1.0" encoding="utf-8"?>
-<p:properties xmlns:p="http://schemas.microsoft.com/office/2006/metadata/properties" xmlns:xsi="http://www.w3.org/2001/XMLSchema-instance" xmlns:pc="http://schemas.microsoft.com/office/infopath/2007/PartnerControls">
-  <documentManagement/>
-</p:properties>
+<?mso-contentType ?>
+<FormTemplates xmlns="http://schemas.microsoft.com/sharepoint/v3/contenttype/forms">
+  <Display>DocumentLibraryForm</Display>
+  <Edit>DocumentLibraryForm</Edit>
+  <New>DocumentLibraryForm</New>
+</FormTemplates>
 </file>
 
 <file path=customXml/item2.xml><?xml version="1.0" encoding="utf-8"?>
@@ -23483,19 +23549,15 @@
 </file>
 
 <file path=customXml/item3.xml><?xml version="1.0" encoding="utf-8"?>
-<?mso-contentType ?>
-<FormTemplates xmlns="http://schemas.microsoft.com/sharepoint/v3/contenttype/forms">
-  <Display>DocumentLibraryForm</Display>
-  <Edit>DocumentLibraryForm</Edit>
-  <New>DocumentLibraryForm</New>
-</FormTemplates>
+<p:properties xmlns:p="http://schemas.microsoft.com/office/2006/metadata/properties" xmlns:xsi="http://www.w3.org/2001/XMLSchema-instance" xmlns:pc="http://schemas.microsoft.com/office/infopath/2007/PartnerControls">
+  <documentManagement/>
+</p:properties>
 </file>
 
 <file path=customXml/itemProps1.xml><?xml version="1.0" encoding="utf-8"?>
-<ds:datastoreItem xmlns:ds="http://schemas.openxmlformats.org/officeDocument/2006/customXml" ds:itemID="{E1395F39-3CC7-4A6D-9DEB-C35DFE747533}">
+<ds:datastoreItem xmlns:ds="http://schemas.openxmlformats.org/officeDocument/2006/customXml" ds:itemID="{444F3FC5-B4DC-43CA-867D-26958C1124A8}">
   <ds:schemaRefs>
-    <ds:schemaRef ds:uri="http://schemas.microsoft.com/office/2006/metadata/properties"/>
-    <ds:schemaRef ds:uri="http://schemas.microsoft.com/office/infopath/2007/PartnerControls"/>
+    <ds:schemaRef ds:uri="http://schemas.microsoft.com/sharepoint/v3/contenttype/forms"/>
   </ds:schemaRefs>
 </ds:datastoreItem>
 </file>
@@ -23517,9 +23579,10 @@
 </file>
 
 <file path=customXml/itemProps3.xml><?xml version="1.0" encoding="utf-8"?>
-<ds:datastoreItem xmlns:ds="http://schemas.openxmlformats.org/officeDocument/2006/customXml" ds:itemID="{444F3FC5-B4DC-43CA-867D-26958C1124A8}">
+<ds:datastoreItem xmlns:ds="http://schemas.openxmlformats.org/officeDocument/2006/customXml" ds:itemID="{E1395F39-3CC7-4A6D-9DEB-C35DFE747533}">
   <ds:schemaRefs>
-    <ds:schemaRef ds:uri="http://schemas.microsoft.com/sharepoint/v3/contenttype/forms"/>
+    <ds:schemaRef ds:uri="http://schemas.microsoft.com/office/2006/metadata/properties"/>
+    <ds:schemaRef ds:uri="http://schemas.microsoft.com/office/infopath/2007/PartnerControls"/>
   </ds:schemaRefs>
 </ds:datastoreItem>
 </file>